--- a/Applied Cognitive Diagnostics/Curso Breve - FRP/Mis presentaciones/CB_Modulo-4 - Protocolos.pptx
+++ b/Applied Cognitive Diagnostics/Curso Breve - FRP/Mis presentaciones/CB_Modulo-4 - Protocolos.pptx
@@ -5,12 +5,14 @@
     <p:sldMasterId id="2147483648" r:id="rId1"/>
   </p:sldMasterIdLst>
   <p:notesMasterIdLst>
-    <p:notesMasterId r:id="rId5"/>
+    <p:notesMasterId r:id="rId7"/>
   </p:notesMasterIdLst>
   <p:sldIdLst>
     <p:sldId id="256" r:id="rId2"/>
-    <p:sldId id="294" r:id="rId3"/>
-    <p:sldId id="258" r:id="rId4"/>
+    <p:sldId id="297" r:id="rId3"/>
+    <p:sldId id="299" r:id="rId4"/>
+    <p:sldId id="300" r:id="rId5"/>
+    <p:sldId id="258" r:id="rId6"/>
   </p:sldIdLst>
   <p:sldSz cx="9144000" cy="5143500" type="screen16x9"/>
   <p:notesSz cx="6858000" cy="9144000"/>
@@ -210,7 +212,7 @@
           <a:p>
             <a:fld id="{6392EFD8-C68D-4C01-962B-D81BEE90D5DA}" type="datetimeFigureOut">
               <a:rPr lang="es-MX" smtClean="0"/>
-              <a:t>27/08/2019</a:t>
+              <a:t>24/09/2019</a:t>
             </a:fld>
             <a:endParaRPr lang="es-MX"/>
           </a:p>
@@ -659,7 +661,7 @@
           <a:p>
             <a:fld id="{B84F09BF-D7C3-41CB-A1B7-67487A411715}" type="datetimeFigureOut">
               <a:rPr lang="es-ES" smtClean="0"/>
-              <a:t>27/08/2019</a:t>
+              <a:t>24/09/2019</a:t>
             </a:fld>
             <a:endParaRPr lang="es-ES"/>
           </a:p>
@@ -829,7 +831,7 @@
           <a:p>
             <a:fld id="{B84F09BF-D7C3-41CB-A1B7-67487A411715}" type="datetimeFigureOut">
               <a:rPr lang="es-ES" smtClean="0"/>
-              <a:t>27/08/2019</a:t>
+              <a:t>24/09/2019</a:t>
             </a:fld>
             <a:endParaRPr lang="es-ES"/>
           </a:p>
@@ -1009,7 +1011,7 @@
           <a:p>
             <a:fld id="{B84F09BF-D7C3-41CB-A1B7-67487A411715}" type="datetimeFigureOut">
               <a:rPr lang="es-ES" smtClean="0"/>
-              <a:t>27/08/2019</a:t>
+              <a:t>24/09/2019</a:t>
             </a:fld>
             <a:endParaRPr lang="es-ES"/>
           </a:p>
@@ -1179,7 +1181,7 @@
           <a:p>
             <a:fld id="{B84F09BF-D7C3-41CB-A1B7-67487A411715}" type="datetimeFigureOut">
               <a:rPr lang="es-ES" smtClean="0"/>
-              <a:t>27/08/2019</a:t>
+              <a:t>24/09/2019</a:t>
             </a:fld>
             <a:endParaRPr lang="es-ES"/>
           </a:p>
@@ -1425,7 +1427,7 @@
           <a:p>
             <a:fld id="{B84F09BF-D7C3-41CB-A1B7-67487A411715}" type="datetimeFigureOut">
               <a:rPr lang="es-ES" smtClean="0"/>
-              <a:t>27/08/2019</a:t>
+              <a:t>24/09/2019</a:t>
             </a:fld>
             <a:endParaRPr lang="es-ES"/>
           </a:p>
@@ -1713,7 +1715,7 @@
           <a:p>
             <a:fld id="{B84F09BF-D7C3-41CB-A1B7-67487A411715}" type="datetimeFigureOut">
               <a:rPr lang="es-ES" smtClean="0"/>
-              <a:t>27/08/2019</a:t>
+              <a:t>24/09/2019</a:t>
             </a:fld>
             <a:endParaRPr lang="es-ES"/>
           </a:p>
@@ -2140,7 +2142,7 @@
           <a:p>
             <a:fld id="{B84F09BF-D7C3-41CB-A1B7-67487A411715}" type="datetimeFigureOut">
               <a:rPr lang="es-ES" smtClean="0"/>
-              <a:t>27/08/2019</a:t>
+              <a:t>24/09/2019</a:t>
             </a:fld>
             <a:endParaRPr lang="es-ES"/>
           </a:p>
@@ -2258,7 +2260,7 @@
           <a:p>
             <a:fld id="{B84F09BF-D7C3-41CB-A1B7-67487A411715}" type="datetimeFigureOut">
               <a:rPr lang="es-ES" smtClean="0"/>
-              <a:t>27/08/2019</a:t>
+              <a:t>24/09/2019</a:t>
             </a:fld>
             <a:endParaRPr lang="es-ES"/>
           </a:p>
@@ -2353,7 +2355,7 @@
           <a:p>
             <a:fld id="{B84F09BF-D7C3-41CB-A1B7-67487A411715}" type="datetimeFigureOut">
               <a:rPr lang="es-ES" smtClean="0"/>
-              <a:t>27/08/2019</a:t>
+              <a:t>24/09/2019</a:t>
             </a:fld>
             <a:endParaRPr lang="es-ES"/>
           </a:p>
@@ -2630,7 +2632,7 @@
           <a:p>
             <a:fld id="{B84F09BF-D7C3-41CB-A1B7-67487A411715}" type="datetimeFigureOut">
               <a:rPr lang="es-ES" smtClean="0"/>
-              <a:t>27/08/2019</a:t>
+              <a:t>24/09/2019</a:t>
             </a:fld>
             <a:endParaRPr lang="es-ES"/>
           </a:p>
@@ -2883,7 +2885,7 @@
           <a:p>
             <a:fld id="{B84F09BF-D7C3-41CB-A1B7-67487A411715}" type="datetimeFigureOut">
               <a:rPr lang="es-ES" smtClean="0"/>
-              <a:t>27/08/2019</a:t>
+              <a:t>24/09/2019</a:t>
             </a:fld>
             <a:endParaRPr lang="es-ES"/>
           </a:p>
@@ -3096,7 +3098,7 @@
           <a:p>
             <a:fld id="{B84F09BF-D7C3-41CB-A1B7-67487A411715}" type="datetimeFigureOut">
               <a:rPr lang="es-ES" smtClean="0"/>
-              <a:t>27/08/2019</a:t>
+              <a:t>24/09/2019</a:t>
             </a:fld>
             <a:endParaRPr lang="es-ES"/>
           </a:p>
@@ -3497,7 +3499,7 @@
         </p:nvSpPr>
         <p:spPr>
           <a:xfrm>
-            <a:off x="3048000" y="2190750"/>
+            <a:off x="3048000" y="1428750"/>
             <a:ext cx="6019800" cy="1447800"/>
           </a:xfrm>
         </p:spPr>
@@ -3516,59 +3518,8 @@
                   </a:schemeClr>
                 </a:solidFill>
               </a:rPr>
-              <a:t>Salud en el Trabajo: Identificación y atención de los Factores de Riesgo Psicosociales en </a:t>
-            </a:r>
-            <a:r>
-              <a:rPr lang="es-MX" sz="3600" b="1" dirty="0" smtClean="0">
-                <a:solidFill>
-                  <a:schemeClr val="accent2">
-                    <a:lumMod val="75000"/>
-                  </a:schemeClr>
-                </a:solidFill>
-              </a:rPr>
-              <a:t>el </a:t>
-            </a:r>
-            <a:r>
-              <a:rPr lang="es-MX" sz="3600" b="1" dirty="0">
-                <a:solidFill>
-                  <a:schemeClr val="accent2">
-                    <a:lumMod val="75000"/>
-                  </a:schemeClr>
-                </a:solidFill>
-              </a:rPr>
-              <a:t>marco de la Norma 035. </a:t>
-            </a:r>
-            <a:r>
-              <a:rPr lang="es-MX" sz="3600" dirty="0"/>
-              <a:t/>
-            </a:r>
-            <a:br>
-              <a:rPr lang="es-MX" sz="3600" dirty="0"/>
-            </a:br>
-            <a:r>
-              <a:rPr lang="es-MX" sz="3600" dirty="0"/>
-              <a:t/>
-            </a:r>
-            <a:br>
-              <a:rPr lang="es-MX" sz="3600" dirty="0"/>
-            </a:br>
-            <a:r>
-              <a:rPr lang="es-MX" sz="3600" b="1" dirty="0" smtClean="0">
-                <a:solidFill>
-                  <a:schemeClr val="accent2">
-                    <a:lumMod val="75000"/>
-                  </a:schemeClr>
-                </a:solidFill>
-              </a:rPr>
-              <a:t> </a:t>
-            </a:r>
-            <a:endParaRPr lang="es-MX" sz="3600" b="1" dirty="0">
-              <a:solidFill>
-                <a:schemeClr val="accent2">
-                  <a:lumMod val="75000"/>
-                </a:schemeClr>
-              </a:solidFill>
-            </a:endParaRPr>
+              <a:t>Factores de Riesgo Psicosocial en el trabajo: Identificación y prevención</a:t>
+            </a:r>
           </a:p>
         </p:txBody>
       </p:sp>
@@ -3657,8 +3608,8 @@
         </p:nvSpPr>
         <p:spPr>
           <a:xfrm>
-            <a:off x="3276600" y="1047750"/>
-            <a:ext cx="4648200" cy="1447800"/>
+            <a:off x="2971800" y="1733550"/>
+            <a:ext cx="6019800" cy="1447800"/>
           </a:xfrm>
         </p:spPr>
         <p:txBody>
@@ -3667,172 +3618,40 @@
           </a:bodyPr>
           <a:lstStyle/>
           <a:p>
-            <a:pPr lvl="0" algn="l"/>
-            <a:r>
-              <a:rPr lang="es-MX" sz="3600" b="1" dirty="0">
+            <a:pPr algn="l"/>
+            <a:r>
+              <a:rPr lang="es-ES" sz="4000" b="1" dirty="0"/>
+              <a:t>Módulo IV:</a:t>
+            </a:r>
+            <a:r>
+              <a:rPr lang="es-MX" sz="4000" b="1" dirty="0"/>
+              <a:t/>
+            </a:r>
+            <a:br>
+              <a:rPr lang="es-MX" sz="4000" b="1" dirty="0"/>
+            </a:br>
+            <a:r>
+              <a:rPr lang="es-MX" sz="4000" dirty="0"/>
+              <a:t>Medidas de prevención, detección y control de los FRP (Protocolos)</a:t>
+            </a:r>
+            <a:r>
+              <a:rPr lang="es-MX" sz="3600" dirty="0"/>
+              <a:t/>
+            </a:r>
+            <a:br>
+              <a:rPr lang="es-MX" sz="3600" dirty="0"/>
+            </a:br>
+            <a:r>
+              <a:rPr lang="es-MX" sz="3600" b="1" dirty="0" smtClean="0">
                 <a:solidFill>
                   <a:schemeClr val="accent2">
                     <a:lumMod val="75000"/>
                   </a:schemeClr>
                 </a:solidFill>
               </a:rPr>
-              <a:t>Salud en el trabajo:</a:t>
-            </a:r>
-            <a:br>
-              <a:rPr lang="es-MX" sz="3600" b="1" dirty="0">
-                <a:solidFill>
-                  <a:schemeClr val="accent2">
-                    <a:lumMod val="75000"/>
-                  </a:schemeClr>
-                </a:solidFill>
-              </a:rPr>
-            </a:br>
-            <a:r>
-              <a:rPr lang="es-MX" sz="3600" b="1" dirty="0">
-                <a:solidFill>
-                  <a:schemeClr val="accent2">
-                    <a:lumMod val="75000"/>
-                  </a:schemeClr>
-                </a:solidFill>
-              </a:rPr>
-              <a:t>Evaluación de Factores de Riesgo Psicosocial</a:t>
-            </a:r>
-          </a:p>
-        </p:txBody>
-      </p:sp>
-      <p:sp>
-        <p:nvSpPr>
-          <p:cNvPr id="3" name="2 Subtítulo"/>
-          <p:cNvSpPr>
-            <a:spLocks noGrp="1"/>
-          </p:cNvSpPr>
-          <p:nvPr>
-            <p:ph type="subTitle" idx="1"/>
-          </p:nvPr>
-        </p:nvSpPr>
-        <p:spPr>
-          <a:xfrm>
-            <a:off x="3276600" y="2647950"/>
-            <a:ext cx="4114800" cy="304800"/>
-          </a:xfrm>
-        </p:spPr>
-        <p:txBody>
-          <a:bodyPr>
-            <a:normAutofit/>
-          </a:bodyPr>
-          <a:lstStyle/>
-          <a:p>
-            <a:pPr algn="l"/>
-            <a:r>
-              <a:rPr lang="es-ES" sz="1200" dirty="0" smtClean="0">
-                <a:latin typeface="Archivo" panose="020B0503020202020B04" pitchFamily="34" charset="0"/>
-              </a:rPr>
-              <a:t>---------------------</a:t>
-            </a:r>
-            <a:endParaRPr lang="es-ES" sz="1200" dirty="0">
-              <a:latin typeface="Archivo" panose="020B0503020202020B04" pitchFamily="34" charset="0"/>
-            </a:endParaRPr>
-          </a:p>
-        </p:txBody>
-      </p:sp>
-      <p:sp>
-        <p:nvSpPr>
-          <p:cNvPr id="4" name="Rectángulo 3"/>
-          <p:cNvSpPr/>
-          <p:nvPr/>
-        </p:nvSpPr>
-        <p:spPr>
-          <a:xfrm>
-            <a:off x="152400" y="301336"/>
-            <a:ext cx="8382000" cy="2971800"/>
-          </a:xfrm>
-          <a:prstGeom prst="rect">
-            <a:avLst/>
-          </a:prstGeom>
-          <a:solidFill>
-            <a:schemeClr val="bg1"/>
-          </a:solidFill>
-          <a:ln>
-            <a:solidFill>
-              <a:schemeClr val="bg1"/>
-            </a:solidFill>
-          </a:ln>
-        </p:spPr>
-        <p:style>
-          <a:lnRef idx="2">
-            <a:schemeClr val="accent1">
-              <a:shade val="50000"/>
-            </a:schemeClr>
-          </a:lnRef>
-          <a:fillRef idx="1">
-            <a:schemeClr val="accent1"/>
-          </a:fillRef>
-          <a:effectRef idx="0">
-            <a:schemeClr val="accent1"/>
-          </a:effectRef>
-          <a:fontRef idx="minor">
-            <a:schemeClr val="lt1"/>
-          </a:fontRef>
-        </p:style>
-        <p:txBody>
-          <a:bodyPr rtlCol="0" anchor="ctr"/>
-          <a:lstStyle/>
-          <a:p>
-            <a:pPr algn="ctr"/>
-            <a:endParaRPr lang="es-MX"/>
-          </a:p>
-        </p:txBody>
-      </p:sp>
-      <p:sp>
-        <p:nvSpPr>
-          <p:cNvPr id="5" name="Título 1"/>
-          <p:cNvSpPr txBox="1">
-            <a:spLocks/>
-          </p:cNvSpPr>
-          <p:nvPr/>
-        </p:nvSpPr>
-        <p:spPr>
-          <a:xfrm>
-            <a:off x="2362200" y="542925"/>
-            <a:ext cx="8229600" cy="857250"/>
-          </a:xfrm>
-          <a:prstGeom prst="rect">
-            <a:avLst/>
-          </a:prstGeom>
-        </p:spPr>
-        <p:txBody>
-          <a:bodyPr vert="horz" lIns="91440" tIns="45720" rIns="91440" bIns="45720" rtlCol="0" anchor="ctr">
-            <a:noAutofit/>
-          </a:bodyPr>
-          <a:lstStyle>
-            <a:lvl1pPr algn="ctr" defTabSz="914400" rtl="0" eaLnBrk="1" latinLnBrk="0" hangingPunct="1">
-              <a:spcBef>
-                <a:spcPct val="0"/>
-              </a:spcBef>
-              <a:buNone/>
-              <a:defRPr sz="4400" kern="1200">
-                <a:solidFill>
-                  <a:schemeClr val="tx1"/>
-                </a:solidFill>
-                <a:latin typeface="+mj-lt"/>
-                <a:ea typeface="+mj-ea"/>
-                <a:cs typeface="+mj-cs"/>
-              </a:defRPr>
-            </a:lvl1pPr>
-          </a:lstStyle>
-          <a:p>
-            <a:pPr algn="l"/>
-            <a:r>
-              <a:rPr lang="es-ES" sz="4200" b="1" dirty="0">
-                <a:solidFill>
-                  <a:schemeClr val="accent2">
-                    <a:lumMod val="75000"/>
-                  </a:schemeClr>
-                </a:solidFill>
-              </a:rPr>
-              <a:t>¿Quiénes somos?</a:t>
-            </a:r>
-            <a:endParaRPr lang="es-MX" sz="4200" b="1" dirty="0">
+              <a:t> </a:t>
+            </a:r>
+            <a:endParaRPr lang="es-MX" sz="3600" b="1" dirty="0">
               <a:solidFill>
                 <a:schemeClr val="accent2">
                   <a:lumMod val="75000"/>
@@ -3842,363 +3661,32 @@
           </a:p>
         </p:txBody>
       </p:sp>
-      <p:pic>
-        <p:nvPicPr>
-          <p:cNvPr id="6" name="Imagen 5"/>
-          <p:cNvPicPr>
-            <a:picLocks noChangeAspect="1"/>
-          </p:cNvPicPr>
-          <p:nvPr/>
-        </p:nvPicPr>
-        <p:blipFill>
-          <a:blip r:embed="rId3">
-            <a:extLst>
-              <a:ext uri="{28A0092B-C50C-407E-A947-70E740481C1C}">
-                <a14:useLocalDpi xmlns:a14="http://schemas.microsoft.com/office/drawing/2010/main" val="0"/>
-              </a:ext>
-            </a:extLst>
-          </a:blip>
-          <a:stretch>
-            <a:fillRect/>
-          </a:stretch>
-        </p:blipFill>
-        <p:spPr>
-          <a:xfrm>
-            <a:off x="5715000" y="1709354"/>
-            <a:ext cx="3474588" cy="2084753"/>
-          </a:xfrm>
-          <a:prstGeom prst="rect">
-            <a:avLst/>
-          </a:prstGeom>
-        </p:spPr>
-      </p:pic>
-      <p:sp>
-        <p:nvSpPr>
-          <p:cNvPr id="9" name="Google Shape;211;p17"/>
-          <p:cNvSpPr txBox="1">
-            <a:spLocks noGrp="1"/>
-          </p:cNvSpPr>
-          <p:nvPr/>
-        </p:nvSpPr>
-        <p:spPr>
-          <a:xfrm>
-            <a:off x="554100" y="1714549"/>
-            <a:ext cx="4939200" cy="2230125"/>
-          </a:xfrm>
-          <a:prstGeom prst="rect">
-            <a:avLst/>
-          </a:prstGeom>
-          <a:noFill/>
-          <a:ln>
-            <a:noFill/>
-          </a:ln>
-        </p:spPr>
-        <p:txBody>
-          <a:bodyPr spcFirstLastPara="1" wrap="square" lIns="91425" tIns="91425" rIns="91425" bIns="91425" anchor="t" anchorCtr="0">
-            <a:noAutofit/>
-          </a:bodyPr>
-          <a:lstStyle>
-            <a:defPPr marR="0" lvl="0" algn="l" rtl="0">
-              <a:lnSpc>
-                <a:spcPct val="100000"/>
-              </a:lnSpc>
-              <a:spcBef>
-                <a:spcPts val="0"/>
-              </a:spcBef>
-              <a:spcAft>
-                <a:spcPts val="0"/>
-              </a:spcAft>
-            </a:defPPr>
-            <a:lvl1pPr marL="457200" marR="0" lvl="0" indent="-381000" algn="l" rtl="0">
-              <a:lnSpc>
-                <a:spcPct val="100000"/>
-              </a:lnSpc>
-              <a:spcBef>
-                <a:spcPts val="600"/>
-              </a:spcBef>
-              <a:spcAft>
-                <a:spcPts val="0"/>
-              </a:spcAft>
-              <a:buClr>
-                <a:srgbClr val="1C4587"/>
-              </a:buClr>
-              <a:buSzPts val="2400"/>
-              <a:buFont typeface="Hind"/>
-              <a:buChar char="›"/>
-              <a:defRPr sz="2400" b="0" i="0" u="none" strike="noStrike" cap="none">
-                <a:solidFill>
-                  <a:srgbClr val="FFFFFF"/>
-                </a:solidFill>
-                <a:latin typeface="Hind"/>
-                <a:ea typeface="Hind"/>
-                <a:cs typeface="Hind"/>
-                <a:sym typeface="Hind"/>
-              </a:defRPr>
-            </a:lvl1pPr>
-            <a:lvl2pPr marL="914400" marR="0" lvl="1" indent="-381000" algn="l" rtl="0">
-              <a:lnSpc>
-                <a:spcPct val="100000"/>
-              </a:lnSpc>
-              <a:spcBef>
-                <a:spcPts val="0"/>
-              </a:spcBef>
-              <a:spcAft>
-                <a:spcPts val="0"/>
-              </a:spcAft>
-              <a:buClr>
-                <a:srgbClr val="1C4587"/>
-              </a:buClr>
-              <a:buSzPts val="2400"/>
-              <a:buFont typeface="Hind"/>
-              <a:buChar char="›"/>
-              <a:defRPr sz="2400" b="0" i="0" u="none" strike="noStrike" cap="none">
-                <a:solidFill>
-                  <a:srgbClr val="FFFFFF"/>
-                </a:solidFill>
-                <a:latin typeface="Hind"/>
-                <a:ea typeface="Hind"/>
-                <a:cs typeface="Hind"/>
-                <a:sym typeface="Hind"/>
-              </a:defRPr>
-            </a:lvl2pPr>
-            <a:lvl3pPr marL="1371600" marR="0" lvl="2" indent="-381000" algn="l" rtl="0">
-              <a:lnSpc>
-                <a:spcPct val="100000"/>
-              </a:lnSpc>
-              <a:spcBef>
-                <a:spcPts val="0"/>
-              </a:spcBef>
-              <a:spcAft>
-                <a:spcPts val="0"/>
-              </a:spcAft>
-              <a:buClr>
-                <a:srgbClr val="1C4587"/>
-              </a:buClr>
-              <a:buSzPts val="2400"/>
-              <a:buFont typeface="Hind"/>
-              <a:buChar char="›"/>
-              <a:defRPr sz="2400" b="0" i="0" u="none" strike="noStrike" cap="none">
-                <a:solidFill>
-                  <a:srgbClr val="FFFFFF"/>
-                </a:solidFill>
-                <a:latin typeface="Hind"/>
-                <a:ea typeface="Hind"/>
-                <a:cs typeface="Hind"/>
-                <a:sym typeface="Hind"/>
-              </a:defRPr>
-            </a:lvl3pPr>
-            <a:lvl4pPr marL="1828800" marR="0" lvl="3" indent="-381000" algn="l" rtl="0">
-              <a:lnSpc>
-                <a:spcPct val="100000"/>
-              </a:lnSpc>
-              <a:spcBef>
-                <a:spcPts val="0"/>
-              </a:spcBef>
-              <a:spcAft>
-                <a:spcPts val="0"/>
-              </a:spcAft>
-              <a:buClr>
-                <a:srgbClr val="1C4587"/>
-              </a:buClr>
-              <a:buSzPts val="2400"/>
-              <a:buFont typeface="Hind"/>
-              <a:buChar char="›"/>
-              <a:defRPr sz="2400" b="0" i="0" u="none" strike="noStrike" cap="none">
-                <a:solidFill>
-                  <a:srgbClr val="FFFFFF"/>
-                </a:solidFill>
-                <a:latin typeface="Hind"/>
-                <a:ea typeface="Hind"/>
-                <a:cs typeface="Hind"/>
-                <a:sym typeface="Hind"/>
-              </a:defRPr>
-            </a:lvl4pPr>
-            <a:lvl5pPr marL="2286000" marR="0" lvl="4" indent="-381000" algn="l" rtl="0">
-              <a:lnSpc>
-                <a:spcPct val="100000"/>
-              </a:lnSpc>
-              <a:spcBef>
-                <a:spcPts val="0"/>
-              </a:spcBef>
-              <a:spcAft>
-                <a:spcPts val="0"/>
-              </a:spcAft>
-              <a:buClr>
-                <a:srgbClr val="1C4587"/>
-              </a:buClr>
-              <a:buSzPts val="2400"/>
-              <a:buFont typeface="Hind"/>
-              <a:buChar char="›"/>
-              <a:defRPr sz="2400" b="0" i="0" u="none" strike="noStrike" cap="none">
-                <a:solidFill>
-                  <a:srgbClr val="FFFFFF"/>
-                </a:solidFill>
-                <a:latin typeface="Hind"/>
-                <a:ea typeface="Hind"/>
-                <a:cs typeface="Hind"/>
-                <a:sym typeface="Hind"/>
-              </a:defRPr>
-            </a:lvl5pPr>
-            <a:lvl6pPr marL="2743200" marR="0" lvl="5" indent="-381000" algn="l" rtl="0">
-              <a:lnSpc>
-                <a:spcPct val="100000"/>
-              </a:lnSpc>
-              <a:spcBef>
-                <a:spcPts val="0"/>
-              </a:spcBef>
-              <a:spcAft>
-                <a:spcPts val="0"/>
-              </a:spcAft>
-              <a:buClr>
-                <a:srgbClr val="1C4587"/>
-              </a:buClr>
-              <a:buSzPts val="2400"/>
-              <a:buFont typeface="Hind"/>
-              <a:buChar char="›"/>
-              <a:defRPr sz="2400" b="0" i="0" u="none" strike="noStrike" cap="none">
-                <a:solidFill>
-                  <a:srgbClr val="FFFFFF"/>
-                </a:solidFill>
-                <a:latin typeface="Hind"/>
-                <a:ea typeface="Hind"/>
-                <a:cs typeface="Hind"/>
-                <a:sym typeface="Hind"/>
-              </a:defRPr>
-            </a:lvl6pPr>
-            <a:lvl7pPr marL="3200400" marR="0" lvl="6" indent="-381000" algn="l" rtl="0">
-              <a:lnSpc>
-                <a:spcPct val="100000"/>
-              </a:lnSpc>
-              <a:spcBef>
-                <a:spcPts val="0"/>
-              </a:spcBef>
-              <a:spcAft>
-                <a:spcPts val="0"/>
-              </a:spcAft>
-              <a:buClr>
-                <a:srgbClr val="1C4587"/>
-              </a:buClr>
-              <a:buSzPts val="2400"/>
-              <a:buFont typeface="Hind"/>
-              <a:buChar char="›"/>
-              <a:defRPr sz="2400" b="0" i="0" u="none" strike="noStrike" cap="none">
-                <a:solidFill>
-                  <a:srgbClr val="FFFFFF"/>
-                </a:solidFill>
-                <a:latin typeface="Hind"/>
-                <a:ea typeface="Hind"/>
-                <a:cs typeface="Hind"/>
-                <a:sym typeface="Hind"/>
-              </a:defRPr>
-            </a:lvl7pPr>
-            <a:lvl8pPr marL="3657600" marR="0" lvl="7" indent="-381000" algn="l" rtl="0">
-              <a:lnSpc>
-                <a:spcPct val="100000"/>
-              </a:lnSpc>
-              <a:spcBef>
-                <a:spcPts val="0"/>
-              </a:spcBef>
-              <a:spcAft>
-                <a:spcPts val="0"/>
-              </a:spcAft>
-              <a:buClr>
-                <a:srgbClr val="1C4587"/>
-              </a:buClr>
-              <a:buSzPts val="2400"/>
-              <a:buFont typeface="Hind"/>
-              <a:buChar char="›"/>
-              <a:defRPr sz="2400" b="0" i="0" u="none" strike="noStrike" cap="none">
-                <a:solidFill>
-                  <a:srgbClr val="FFFFFF"/>
-                </a:solidFill>
-                <a:latin typeface="Hind"/>
-                <a:ea typeface="Hind"/>
-                <a:cs typeface="Hind"/>
-                <a:sym typeface="Hind"/>
-              </a:defRPr>
-            </a:lvl8pPr>
-            <a:lvl9pPr marL="4114800" marR="0" lvl="8" indent="-381000" algn="l" rtl="0">
-              <a:lnSpc>
-                <a:spcPct val="100000"/>
-              </a:lnSpc>
-              <a:spcBef>
-                <a:spcPts val="0"/>
-              </a:spcBef>
-              <a:spcAft>
-                <a:spcPts val="0"/>
-              </a:spcAft>
-              <a:buClr>
-                <a:srgbClr val="1C4587"/>
-              </a:buClr>
-              <a:buSzPts val="2400"/>
-              <a:buFont typeface="Hind"/>
-              <a:buChar char="»"/>
-              <a:defRPr sz="2400" b="0" i="0" u="none" strike="noStrike" cap="none">
-                <a:solidFill>
-                  <a:srgbClr val="FFFFFF"/>
-                </a:solidFill>
-                <a:latin typeface="Hind"/>
-                <a:ea typeface="Hind"/>
-                <a:cs typeface="Hind"/>
-                <a:sym typeface="Hind"/>
-              </a:defRPr>
-            </a:lvl9pPr>
-          </a:lstStyle>
-          <a:p>
-            <a:pPr marL="0" lvl="0" indent="0" algn="just">
-              <a:buNone/>
-            </a:pPr>
-            <a:r>
-              <a:rPr lang="es-ES" sz="1200" b="1" dirty="0">
-                <a:solidFill>
-                  <a:schemeClr val="tx1">
-                    <a:lumMod val="75000"/>
-                  </a:schemeClr>
-                </a:solidFill>
-              </a:rPr>
-              <a:t>Somos un grupo de especialistas internacionales dedicados a la medición y evaluación integral del capital humano, enfocados en atender a la demanda de nuestros clientes, para generar en conjunto con ellos un valor agregado dentro del mercado laboral en el que se desempeñan. </a:t>
-            </a:r>
-            <a:endParaRPr lang="es-ES" sz="1200" b="1" dirty="0" smtClean="0">
-              <a:solidFill>
-                <a:schemeClr val="tx1">
-                  <a:lumMod val="75000"/>
-                </a:schemeClr>
-              </a:solidFill>
-            </a:endParaRPr>
-          </a:p>
-          <a:p>
-            <a:pPr marL="0" lvl="0" indent="0" algn="just">
-              <a:buNone/>
-            </a:pPr>
-            <a:endParaRPr lang="es-ES" sz="1200" b="1" dirty="0">
-              <a:solidFill>
-                <a:schemeClr val="tx1">
-                  <a:lumMod val="75000"/>
-                </a:schemeClr>
-              </a:solidFill>
-            </a:endParaRPr>
-          </a:p>
-          <a:p>
-            <a:pPr marL="0" lvl="0" indent="0" algn="just">
-              <a:buNone/>
-            </a:pPr>
-            <a:r>
-              <a:rPr lang="es-ES" sz="1200" b="1" dirty="0">
-                <a:solidFill>
-                  <a:schemeClr val="tx1">
-                    <a:lumMod val="75000"/>
-                  </a:schemeClr>
-                </a:solidFill>
-              </a:rPr>
-              <a:t>Nuestro trabajo se encamina al diagnóstico de competencias, habilidades, características, aspectos, procesos y resultados de los miembros de organizaciones laborales de sectores como el educativo, de la salud, beneficencia pública, entre otros.</a:t>
-            </a:r>
+      <p:sp>
+        <p:nvSpPr>
+          <p:cNvPr id="4" name="Subtítulo 3"/>
+          <p:cNvSpPr>
+            <a:spLocks noGrp="1"/>
+          </p:cNvSpPr>
+          <p:nvPr>
+            <p:ph type="subTitle" idx="1"/>
+          </p:nvPr>
+        </p:nvSpPr>
+        <p:spPr/>
+        <p:txBody>
+          <a:bodyPr/>
+          <a:lstStyle/>
+          <a:p>
+            <a:endParaRPr lang="es-MX" dirty="0" smtClean="0"/>
+          </a:p>
+          <a:p>
+            <a:endParaRPr lang="es-MX" dirty="0"/>
           </a:p>
         </p:txBody>
       </p:sp>
     </p:spTree>
     <p:extLst>
       <p:ext uri="{BB962C8B-B14F-4D97-AF65-F5344CB8AC3E}">
-        <p14:creationId xmlns:p14="http://schemas.microsoft.com/office/powerpoint/2010/main" val="1251485785"/>
+        <p14:creationId xmlns:p14="http://schemas.microsoft.com/office/powerpoint/2010/main" val="3481568607"/>
       </p:ext>
     </p:extLst>
   </p:cSld>
@@ -4216,6 +3704,699 @@
 </file>
 
 <file path=ppt/slides/slide3.xml><?xml version="1.0" encoding="utf-8"?>
+<p:sld xmlns:a="http://schemas.openxmlformats.org/drawingml/2006/main" xmlns:r="http://schemas.openxmlformats.org/officeDocument/2006/relationships" xmlns:p="http://schemas.openxmlformats.org/presentationml/2006/main">
+  <p:cSld>
+    <p:bg>
+      <p:bgPr>
+        <a:blipFill dpi="0" rotWithShape="1">
+          <a:blip r:embed="rId2">
+            <a:lum/>
+          </a:blip>
+          <a:srcRect/>
+          <a:stretch>
+            <a:fillRect/>
+          </a:stretch>
+        </a:blipFill>
+        <a:effectLst/>
+      </p:bgPr>
+    </p:bg>
+    <p:spTree>
+      <p:nvGrpSpPr>
+        <p:cNvPr id="1" name=""/>
+        <p:cNvGrpSpPr/>
+        <p:nvPr/>
+      </p:nvGrpSpPr>
+      <p:grpSpPr>
+        <a:xfrm>
+          <a:off x="0" y="0"/>
+          <a:ext cx="0" cy="0"/>
+          <a:chOff x="0" y="0"/>
+          <a:chExt cx="0" cy="0"/>
+        </a:xfrm>
+      </p:grpSpPr>
+      <p:sp>
+        <p:nvSpPr>
+          <p:cNvPr id="2" name="Título 1"/>
+          <p:cNvSpPr>
+            <a:spLocks noGrp="1"/>
+          </p:cNvSpPr>
+          <p:nvPr>
+            <p:ph type="title"/>
+          </p:nvPr>
+        </p:nvSpPr>
+        <p:spPr/>
+        <p:txBody>
+          <a:bodyPr>
+            <a:normAutofit fontScale="90000"/>
+          </a:bodyPr>
+          <a:lstStyle/>
+          <a:p>
+            <a:r>
+              <a:rPr lang="es-MX" dirty="0" smtClean="0"/>
+              <a:t/>
+            </a:r>
+            <a:br>
+              <a:rPr lang="es-MX" dirty="0" smtClean="0"/>
+            </a:br>
+            <a:endParaRPr lang="es-MX" dirty="0"/>
+          </a:p>
+        </p:txBody>
+      </p:sp>
+      <p:sp>
+        <p:nvSpPr>
+          <p:cNvPr id="5" name="Marcador de contenido 4"/>
+          <p:cNvSpPr>
+            <a:spLocks noGrp="1"/>
+          </p:cNvSpPr>
+          <p:nvPr>
+            <p:ph idx="1"/>
+          </p:nvPr>
+        </p:nvSpPr>
+        <p:spPr>
+          <a:xfrm>
+            <a:off x="404707" y="1346368"/>
+            <a:ext cx="8229600" cy="3394472"/>
+          </a:xfrm>
+        </p:spPr>
+        <p:txBody>
+          <a:bodyPr/>
+          <a:lstStyle/>
+          <a:p>
+            <a:pPr marL="0" indent="0">
+              <a:buNone/>
+            </a:pPr>
+            <a:r>
+              <a:rPr lang="es-MX" dirty="0" smtClean="0"/>
+              <a:t>La NOM-035-STPS proporciona algunas guías de referencia con ejemplos de cuestionarios que </a:t>
+            </a:r>
+            <a:r>
+              <a:rPr lang="es-MX" i="1" dirty="0" smtClean="0"/>
+              <a:t>pueden </a:t>
+            </a:r>
+            <a:r>
+              <a:rPr lang="es-MX" dirty="0" smtClean="0"/>
+              <a:t>(opcionalmente) usarse para evaluar los Factores de Riesgo Psicosocial y el Entorno Organizacional.</a:t>
+            </a:r>
+            <a:endParaRPr lang="es-MX" dirty="0" smtClean="0"/>
+          </a:p>
+          <a:p>
+            <a:endParaRPr lang="es-MX" dirty="0"/>
+          </a:p>
+        </p:txBody>
+      </p:sp>
+      <p:sp>
+        <p:nvSpPr>
+          <p:cNvPr id="4" name="Título 1">
+            <a:extLst>
+              <a:ext uri="{FF2B5EF4-FFF2-40B4-BE49-F238E27FC236}">
+                <a16:creationId xmlns:a16="http://schemas.microsoft.com/office/drawing/2014/main" xmlns="" id="{7EB08F50-DA98-9349-90ED-FAEAAFC9F80A}"/>
+              </a:ext>
+            </a:extLst>
+          </p:cNvPr>
+          <p:cNvSpPr txBox="1">
+            <a:spLocks/>
+          </p:cNvSpPr>
+          <p:nvPr/>
+        </p:nvSpPr>
+        <p:spPr>
+          <a:xfrm>
+            <a:off x="1447800" y="422582"/>
+            <a:ext cx="5972100" cy="636000"/>
+          </a:xfrm>
+          <a:prstGeom prst="rect">
+            <a:avLst/>
+          </a:prstGeom>
+        </p:spPr>
+        <p:txBody>
+          <a:bodyPr vert="horz" lIns="91440" tIns="45720" rIns="91440" bIns="45720" rtlCol="0" anchor="ctr">
+            <a:normAutofit fontScale="92500" lnSpcReduction="20000"/>
+          </a:bodyPr>
+          <a:lstStyle>
+            <a:lvl1pPr algn="ctr" defTabSz="914400" rtl="0" eaLnBrk="1" latinLnBrk="0" hangingPunct="1">
+              <a:spcBef>
+                <a:spcPct val="0"/>
+              </a:spcBef>
+              <a:buNone/>
+              <a:defRPr sz="4400" kern="1200">
+                <a:solidFill>
+                  <a:schemeClr val="tx1"/>
+                </a:solidFill>
+                <a:latin typeface="+mj-lt"/>
+                <a:ea typeface="+mj-ea"/>
+                <a:cs typeface="+mj-cs"/>
+              </a:defRPr>
+            </a:lvl1pPr>
+          </a:lstStyle>
+          <a:p>
+            <a:r>
+              <a:rPr lang="es-MX" b="1" dirty="0" smtClean="0"/>
+              <a:t>Guías de Referencia</a:t>
+            </a:r>
+            <a:endParaRPr lang="es-MX" b="1" dirty="0"/>
+          </a:p>
+        </p:txBody>
+      </p:sp>
+      <p:sp>
+        <p:nvSpPr>
+          <p:cNvPr id="6" name="Marcador de texto 2">
+            <a:extLst>
+              <a:ext uri="{FF2B5EF4-FFF2-40B4-BE49-F238E27FC236}">
+                <a16:creationId xmlns:a16="http://schemas.microsoft.com/office/drawing/2014/main" xmlns="" id="{0AC190BF-3B27-6348-8542-CC38B347E427}"/>
+              </a:ext>
+            </a:extLst>
+          </p:cNvPr>
+          <p:cNvSpPr txBox="1">
+            <a:spLocks/>
+          </p:cNvSpPr>
+          <p:nvPr/>
+        </p:nvSpPr>
+        <p:spPr>
+          <a:xfrm>
+            <a:off x="457200" y="1200151"/>
+            <a:ext cx="8153400" cy="3270695"/>
+          </a:xfrm>
+          <a:prstGeom prst="rect">
+            <a:avLst/>
+          </a:prstGeom>
+        </p:spPr>
+        <p:txBody>
+          <a:bodyPr vert="horz" lIns="91440" tIns="45720" rIns="91440" bIns="45720" rtlCol="0">
+            <a:normAutofit/>
+          </a:bodyPr>
+          <a:lstStyle>
+            <a:lvl1pPr marL="342900" indent="-342900" algn="l" defTabSz="914400" rtl="0" eaLnBrk="1" latinLnBrk="0" hangingPunct="1">
+              <a:spcBef>
+                <a:spcPct val="20000"/>
+              </a:spcBef>
+              <a:buFont typeface="Arial" panose="020B0604020202020204" pitchFamily="34" charset="0"/>
+              <a:buChar char="•"/>
+              <a:defRPr sz="3200" kern="1200">
+                <a:solidFill>
+                  <a:schemeClr val="tx1"/>
+                </a:solidFill>
+                <a:latin typeface="+mn-lt"/>
+                <a:ea typeface="+mn-ea"/>
+                <a:cs typeface="+mn-cs"/>
+              </a:defRPr>
+            </a:lvl1pPr>
+            <a:lvl2pPr marL="742950" indent="-285750" algn="l" defTabSz="914400" rtl="0" eaLnBrk="1" latinLnBrk="0" hangingPunct="1">
+              <a:spcBef>
+                <a:spcPct val="20000"/>
+              </a:spcBef>
+              <a:buFont typeface="Arial" panose="020B0604020202020204" pitchFamily="34" charset="0"/>
+              <a:buChar char="–"/>
+              <a:defRPr sz="2800" kern="1200">
+                <a:solidFill>
+                  <a:schemeClr val="tx1"/>
+                </a:solidFill>
+                <a:latin typeface="+mn-lt"/>
+                <a:ea typeface="+mn-ea"/>
+                <a:cs typeface="+mn-cs"/>
+              </a:defRPr>
+            </a:lvl2pPr>
+            <a:lvl3pPr marL="1143000" indent="-228600" algn="l" defTabSz="914400" rtl="0" eaLnBrk="1" latinLnBrk="0" hangingPunct="1">
+              <a:spcBef>
+                <a:spcPct val="20000"/>
+              </a:spcBef>
+              <a:buFont typeface="Arial" panose="020B0604020202020204" pitchFamily="34" charset="0"/>
+              <a:buChar char="•"/>
+              <a:defRPr sz="2400" kern="1200">
+                <a:solidFill>
+                  <a:schemeClr val="tx1"/>
+                </a:solidFill>
+                <a:latin typeface="+mn-lt"/>
+                <a:ea typeface="+mn-ea"/>
+                <a:cs typeface="+mn-cs"/>
+              </a:defRPr>
+            </a:lvl3pPr>
+            <a:lvl4pPr marL="1600200" indent="-228600" algn="l" defTabSz="914400" rtl="0" eaLnBrk="1" latinLnBrk="0" hangingPunct="1">
+              <a:spcBef>
+                <a:spcPct val="20000"/>
+              </a:spcBef>
+              <a:buFont typeface="Arial" panose="020B0604020202020204" pitchFamily="34" charset="0"/>
+              <a:buChar char="–"/>
+              <a:defRPr sz="2000" kern="1200">
+                <a:solidFill>
+                  <a:schemeClr val="tx1"/>
+                </a:solidFill>
+                <a:latin typeface="+mn-lt"/>
+                <a:ea typeface="+mn-ea"/>
+                <a:cs typeface="+mn-cs"/>
+              </a:defRPr>
+            </a:lvl4pPr>
+            <a:lvl5pPr marL="2057400" indent="-228600" algn="l" defTabSz="914400" rtl="0" eaLnBrk="1" latinLnBrk="0" hangingPunct="1">
+              <a:spcBef>
+                <a:spcPct val="20000"/>
+              </a:spcBef>
+              <a:buFont typeface="Arial" panose="020B0604020202020204" pitchFamily="34" charset="0"/>
+              <a:buChar char="»"/>
+              <a:defRPr sz="2000" kern="1200">
+                <a:solidFill>
+                  <a:schemeClr val="tx1"/>
+                </a:solidFill>
+                <a:latin typeface="+mn-lt"/>
+                <a:ea typeface="+mn-ea"/>
+                <a:cs typeface="+mn-cs"/>
+              </a:defRPr>
+            </a:lvl5pPr>
+            <a:lvl6pPr marL="2514600" indent="-228600" algn="l" defTabSz="914400" rtl="0" eaLnBrk="1" latinLnBrk="0" hangingPunct="1">
+              <a:spcBef>
+                <a:spcPct val="20000"/>
+              </a:spcBef>
+              <a:buFont typeface="Arial" panose="020B0604020202020204" pitchFamily="34" charset="0"/>
+              <a:buChar char="•"/>
+              <a:defRPr sz="2000" kern="1200">
+                <a:solidFill>
+                  <a:schemeClr val="tx1"/>
+                </a:solidFill>
+                <a:latin typeface="+mn-lt"/>
+                <a:ea typeface="+mn-ea"/>
+                <a:cs typeface="+mn-cs"/>
+              </a:defRPr>
+            </a:lvl6pPr>
+            <a:lvl7pPr marL="2971800" indent="-228600" algn="l" defTabSz="914400" rtl="0" eaLnBrk="1" latinLnBrk="0" hangingPunct="1">
+              <a:spcBef>
+                <a:spcPct val="20000"/>
+              </a:spcBef>
+              <a:buFont typeface="Arial" panose="020B0604020202020204" pitchFamily="34" charset="0"/>
+              <a:buChar char="•"/>
+              <a:defRPr sz="2000" kern="1200">
+                <a:solidFill>
+                  <a:schemeClr val="tx1"/>
+                </a:solidFill>
+                <a:latin typeface="+mn-lt"/>
+                <a:ea typeface="+mn-ea"/>
+                <a:cs typeface="+mn-cs"/>
+              </a:defRPr>
+            </a:lvl7pPr>
+            <a:lvl8pPr marL="3429000" indent="-228600" algn="l" defTabSz="914400" rtl="0" eaLnBrk="1" latinLnBrk="0" hangingPunct="1">
+              <a:spcBef>
+                <a:spcPct val="20000"/>
+              </a:spcBef>
+              <a:buFont typeface="Arial" panose="020B0604020202020204" pitchFamily="34" charset="0"/>
+              <a:buChar char="•"/>
+              <a:defRPr sz="2000" kern="1200">
+                <a:solidFill>
+                  <a:schemeClr val="tx1"/>
+                </a:solidFill>
+                <a:latin typeface="+mn-lt"/>
+                <a:ea typeface="+mn-ea"/>
+                <a:cs typeface="+mn-cs"/>
+              </a:defRPr>
+            </a:lvl8pPr>
+            <a:lvl9pPr marL="3886200" indent="-228600" algn="l" defTabSz="914400" rtl="0" eaLnBrk="1" latinLnBrk="0" hangingPunct="1">
+              <a:spcBef>
+                <a:spcPct val="20000"/>
+              </a:spcBef>
+              <a:buFont typeface="Arial" panose="020B0604020202020204" pitchFamily="34" charset="0"/>
+              <a:buChar char="•"/>
+              <a:defRPr sz="2000" kern="1200">
+                <a:solidFill>
+                  <a:schemeClr val="tx1"/>
+                </a:solidFill>
+                <a:latin typeface="+mn-lt"/>
+                <a:ea typeface="+mn-ea"/>
+                <a:cs typeface="+mn-cs"/>
+              </a:defRPr>
+            </a:lvl9pPr>
+          </a:lstStyle>
+          <a:p>
+            <a:pPr marL="57150" indent="0">
+              <a:buFont typeface="Arial" panose="020B0604020202020204" pitchFamily="34" charset="0"/>
+              <a:buNone/>
+            </a:pPr>
+            <a:endParaRPr lang="es-MX" dirty="0" smtClean="0"/>
+          </a:p>
+        </p:txBody>
+      </p:sp>
+    </p:spTree>
+    <p:extLst>
+      <p:ext uri="{BB962C8B-B14F-4D97-AF65-F5344CB8AC3E}">
+        <p14:creationId xmlns:p14="http://schemas.microsoft.com/office/powerpoint/2010/main" val="1166542410"/>
+      </p:ext>
+    </p:extLst>
+  </p:cSld>
+  <p:clrMapOvr>
+    <a:masterClrMapping/>
+  </p:clrMapOvr>
+</p:sld>
+</file>
+
+<file path=ppt/slides/slide4.xml><?xml version="1.0" encoding="utf-8"?>
+<p:sld xmlns:a="http://schemas.openxmlformats.org/drawingml/2006/main" xmlns:r="http://schemas.openxmlformats.org/officeDocument/2006/relationships" xmlns:p="http://schemas.openxmlformats.org/presentationml/2006/main">
+  <p:cSld>
+    <p:bg>
+      <p:bgPr>
+        <a:blipFill dpi="0" rotWithShape="1">
+          <a:blip r:embed="rId2">
+            <a:lum/>
+          </a:blip>
+          <a:srcRect/>
+          <a:stretch>
+            <a:fillRect/>
+          </a:stretch>
+        </a:blipFill>
+        <a:effectLst/>
+      </p:bgPr>
+    </p:bg>
+    <p:spTree>
+      <p:nvGrpSpPr>
+        <p:cNvPr id="1" name=""/>
+        <p:cNvGrpSpPr/>
+        <p:nvPr/>
+      </p:nvGrpSpPr>
+      <p:grpSpPr>
+        <a:xfrm>
+          <a:off x="0" y="0"/>
+          <a:ext cx="0" cy="0"/>
+          <a:chOff x="0" y="0"/>
+          <a:chExt cx="0" cy="0"/>
+        </a:xfrm>
+      </p:grpSpPr>
+      <p:sp>
+        <p:nvSpPr>
+          <p:cNvPr id="2" name="Título 1"/>
+          <p:cNvSpPr>
+            <a:spLocks noGrp="1"/>
+          </p:cNvSpPr>
+          <p:nvPr>
+            <p:ph type="title"/>
+          </p:nvPr>
+        </p:nvSpPr>
+        <p:spPr/>
+        <p:txBody>
+          <a:bodyPr>
+            <a:normAutofit fontScale="90000"/>
+          </a:bodyPr>
+          <a:lstStyle/>
+          <a:p>
+            <a:r>
+              <a:rPr lang="es-MX" dirty="0" smtClean="0"/>
+              <a:t/>
+            </a:r>
+            <a:br>
+              <a:rPr lang="es-MX" dirty="0" smtClean="0"/>
+            </a:br>
+            <a:endParaRPr lang="es-MX" dirty="0"/>
+          </a:p>
+        </p:txBody>
+      </p:sp>
+      <p:sp>
+        <p:nvSpPr>
+          <p:cNvPr id="5" name="Marcador de contenido 4"/>
+          <p:cNvSpPr>
+            <a:spLocks noGrp="1"/>
+          </p:cNvSpPr>
+          <p:nvPr>
+            <p:ph idx="1"/>
+          </p:nvPr>
+        </p:nvSpPr>
+        <p:spPr>
+          <a:xfrm>
+            <a:off x="404707" y="1346368"/>
+            <a:ext cx="8229600" cy="3394472"/>
+          </a:xfrm>
+        </p:spPr>
+        <p:txBody>
+          <a:bodyPr/>
+          <a:lstStyle/>
+          <a:p>
+            <a:pPr marL="0" indent="0">
+              <a:buNone/>
+            </a:pPr>
+            <a:r>
+              <a:rPr lang="es-MX" dirty="0" smtClean="0"/>
+              <a:t>1.</a:t>
+            </a:r>
+          </a:p>
+          <a:p>
+            <a:pPr marL="0" indent="0">
+              <a:buNone/>
+            </a:pPr>
+            <a:r>
+              <a:rPr lang="es-MX" dirty="0" smtClean="0"/>
+              <a:t>2.</a:t>
+            </a:r>
+          </a:p>
+          <a:p>
+            <a:pPr marL="0" indent="0">
+              <a:buNone/>
+            </a:pPr>
+            <a:r>
+              <a:rPr lang="es-MX" dirty="0" smtClean="0"/>
+              <a:t>3.</a:t>
+            </a:r>
+          </a:p>
+          <a:p>
+            <a:pPr marL="0" indent="0">
+              <a:buNone/>
+            </a:pPr>
+            <a:r>
+              <a:rPr lang="es-MX" smtClean="0"/>
+              <a:t>4.</a:t>
+            </a:r>
+          </a:p>
+        </p:txBody>
+      </p:sp>
+      <p:sp>
+        <p:nvSpPr>
+          <p:cNvPr id="4" name="Título 1">
+            <a:extLst>
+              <a:ext uri="{FF2B5EF4-FFF2-40B4-BE49-F238E27FC236}">
+                <a16:creationId xmlns:a16="http://schemas.microsoft.com/office/drawing/2014/main" xmlns="" id="{7EB08F50-DA98-9349-90ED-FAEAAFC9F80A}"/>
+              </a:ext>
+            </a:extLst>
+          </p:cNvPr>
+          <p:cNvSpPr txBox="1">
+            <a:spLocks/>
+          </p:cNvSpPr>
+          <p:nvPr/>
+        </p:nvSpPr>
+        <p:spPr>
+          <a:xfrm>
+            <a:off x="1447800" y="422582"/>
+            <a:ext cx="5972100" cy="636000"/>
+          </a:xfrm>
+          <a:prstGeom prst="rect">
+            <a:avLst/>
+          </a:prstGeom>
+        </p:spPr>
+        <p:txBody>
+          <a:bodyPr vert="horz" lIns="91440" tIns="45720" rIns="91440" bIns="45720" rtlCol="0" anchor="ctr">
+            <a:normAutofit fontScale="92500" lnSpcReduction="20000"/>
+          </a:bodyPr>
+          <a:lstStyle>
+            <a:lvl1pPr algn="ctr" defTabSz="914400" rtl="0" eaLnBrk="1" latinLnBrk="0" hangingPunct="1">
+              <a:spcBef>
+                <a:spcPct val="0"/>
+              </a:spcBef>
+              <a:buNone/>
+              <a:defRPr sz="4400" kern="1200">
+                <a:solidFill>
+                  <a:schemeClr val="tx1"/>
+                </a:solidFill>
+                <a:latin typeface="+mj-lt"/>
+                <a:ea typeface="+mj-ea"/>
+                <a:cs typeface="+mj-cs"/>
+              </a:defRPr>
+            </a:lvl1pPr>
+          </a:lstStyle>
+          <a:p>
+            <a:r>
+              <a:rPr lang="es-MX" b="1" dirty="0" smtClean="0"/>
+              <a:t>Guías de Referencia</a:t>
+            </a:r>
+            <a:endParaRPr lang="es-MX" b="1" dirty="0"/>
+          </a:p>
+        </p:txBody>
+      </p:sp>
+      <p:sp>
+        <p:nvSpPr>
+          <p:cNvPr id="6" name="Marcador de texto 2">
+            <a:extLst>
+              <a:ext uri="{FF2B5EF4-FFF2-40B4-BE49-F238E27FC236}">
+                <a16:creationId xmlns:a16="http://schemas.microsoft.com/office/drawing/2014/main" xmlns="" id="{0AC190BF-3B27-6348-8542-CC38B347E427}"/>
+              </a:ext>
+            </a:extLst>
+          </p:cNvPr>
+          <p:cNvSpPr txBox="1">
+            <a:spLocks/>
+          </p:cNvSpPr>
+          <p:nvPr/>
+        </p:nvSpPr>
+        <p:spPr>
+          <a:xfrm>
+            <a:off x="457200" y="1200151"/>
+            <a:ext cx="8153400" cy="3270695"/>
+          </a:xfrm>
+          <a:prstGeom prst="rect">
+            <a:avLst/>
+          </a:prstGeom>
+        </p:spPr>
+        <p:txBody>
+          <a:bodyPr vert="horz" lIns="91440" tIns="45720" rIns="91440" bIns="45720" rtlCol="0">
+            <a:normAutofit/>
+          </a:bodyPr>
+          <a:lstStyle>
+            <a:lvl1pPr marL="342900" indent="-342900" algn="l" defTabSz="914400" rtl="0" eaLnBrk="1" latinLnBrk="0" hangingPunct="1">
+              <a:spcBef>
+                <a:spcPct val="20000"/>
+              </a:spcBef>
+              <a:buFont typeface="Arial" panose="020B0604020202020204" pitchFamily="34" charset="0"/>
+              <a:buChar char="•"/>
+              <a:defRPr sz="3200" kern="1200">
+                <a:solidFill>
+                  <a:schemeClr val="tx1"/>
+                </a:solidFill>
+                <a:latin typeface="+mn-lt"/>
+                <a:ea typeface="+mn-ea"/>
+                <a:cs typeface="+mn-cs"/>
+              </a:defRPr>
+            </a:lvl1pPr>
+            <a:lvl2pPr marL="742950" indent="-285750" algn="l" defTabSz="914400" rtl="0" eaLnBrk="1" latinLnBrk="0" hangingPunct="1">
+              <a:spcBef>
+                <a:spcPct val="20000"/>
+              </a:spcBef>
+              <a:buFont typeface="Arial" panose="020B0604020202020204" pitchFamily="34" charset="0"/>
+              <a:buChar char="–"/>
+              <a:defRPr sz="2800" kern="1200">
+                <a:solidFill>
+                  <a:schemeClr val="tx1"/>
+                </a:solidFill>
+                <a:latin typeface="+mn-lt"/>
+                <a:ea typeface="+mn-ea"/>
+                <a:cs typeface="+mn-cs"/>
+              </a:defRPr>
+            </a:lvl2pPr>
+            <a:lvl3pPr marL="1143000" indent="-228600" algn="l" defTabSz="914400" rtl="0" eaLnBrk="1" latinLnBrk="0" hangingPunct="1">
+              <a:spcBef>
+                <a:spcPct val="20000"/>
+              </a:spcBef>
+              <a:buFont typeface="Arial" panose="020B0604020202020204" pitchFamily="34" charset="0"/>
+              <a:buChar char="•"/>
+              <a:defRPr sz="2400" kern="1200">
+                <a:solidFill>
+                  <a:schemeClr val="tx1"/>
+                </a:solidFill>
+                <a:latin typeface="+mn-lt"/>
+                <a:ea typeface="+mn-ea"/>
+                <a:cs typeface="+mn-cs"/>
+              </a:defRPr>
+            </a:lvl3pPr>
+            <a:lvl4pPr marL="1600200" indent="-228600" algn="l" defTabSz="914400" rtl="0" eaLnBrk="1" latinLnBrk="0" hangingPunct="1">
+              <a:spcBef>
+                <a:spcPct val="20000"/>
+              </a:spcBef>
+              <a:buFont typeface="Arial" panose="020B0604020202020204" pitchFamily="34" charset="0"/>
+              <a:buChar char="–"/>
+              <a:defRPr sz="2000" kern="1200">
+                <a:solidFill>
+                  <a:schemeClr val="tx1"/>
+                </a:solidFill>
+                <a:latin typeface="+mn-lt"/>
+                <a:ea typeface="+mn-ea"/>
+                <a:cs typeface="+mn-cs"/>
+              </a:defRPr>
+            </a:lvl4pPr>
+            <a:lvl5pPr marL="2057400" indent="-228600" algn="l" defTabSz="914400" rtl="0" eaLnBrk="1" latinLnBrk="0" hangingPunct="1">
+              <a:spcBef>
+                <a:spcPct val="20000"/>
+              </a:spcBef>
+              <a:buFont typeface="Arial" panose="020B0604020202020204" pitchFamily="34" charset="0"/>
+              <a:buChar char="»"/>
+              <a:defRPr sz="2000" kern="1200">
+                <a:solidFill>
+                  <a:schemeClr val="tx1"/>
+                </a:solidFill>
+                <a:latin typeface="+mn-lt"/>
+                <a:ea typeface="+mn-ea"/>
+                <a:cs typeface="+mn-cs"/>
+              </a:defRPr>
+            </a:lvl5pPr>
+            <a:lvl6pPr marL="2514600" indent="-228600" algn="l" defTabSz="914400" rtl="0" eaLnBrk="1" latinLnBrk="0" hangingPunct="1">
+              <a:spcBef>
+                <a:spcPct val="20000"/>
+              </a:spcBef>
+              <a:buFont typeface="Arial" panose="020B0604020202020204" pitchFamily="34" charset="0"/>
+              <a:buChar char="•"/>
+              <a:defRPr sz="2000" kern="1200">
+                <a:solidFill>
+                  <a:schemeClr val="tx1"/>
+                </a:solidFill>
+                <a:latin typeface="+mn-lt"/>
+                <a:ea typeface="+mn-ea"/>
+                <a:cs typeface="+mn-cs"/>
+              </a:defRPr>
+            </a:lvl6pPr>
+            <a:lvl7pPr marL="2971800" indent="-228600" algn="l" defTabSz="914400" rtl="0" eaLnBrk="1" latinLnBrk="0" hangingPunct="1">
+              <a:spcBef>
+                <a:spcPct val="20000"/>
+              </a:spcBef>
+              <a:buFont typeface="Arial" panose="020B0604020202020204" pitchFamily="34" charset="0"/>
+              <a:buChar char="•"/>
+              <a:defRPr sz="2000" kern="1200">
+                <a:solidFill>
+                  <a:schemeClr val="tx1"/>
+                </a:solidFill>
+                <a:latin typeface="+mn-lt"/>
+                <a:ea typeface="+mn-ea"/>
+                <a:cs typeface="+mn-cs"/>
+              </a:defRPr>
+            </a:lvl7pPr>
+            <a:lvl8pPr marL="3429000" indent="-228600" algn="l" defTabSz="914400" rtl="0" eaLnBrk="1" latinLnBrk="0" hangingPunct="1">
+              <a:spcBef>
+                <a:spcPct val="20000"/>
+              </a:spcBef>
+              <a:buFont typeface="Arial" panose="020B0604020202020204" pitchFamily="34" charset="0"/>
+              <a:buChar char="•"/>
+              <a:defRPr sz="2000" kern="1200">
+                <a:solidFill>
+                  <a:schemeClr val="tx1"/>
+                </a:solidFill>
+                <a:latin typeface="+mn-lt"/>
+                <a:ea typeface="+mn-ea"/>
+                <a:cs typeface="+mn-cs"/>
+              </a:defRPr>
+            </a:lvl8pPr>
+            <a:lvl9pPr marL="3886200" indent="-228600" algn="l" defTabSz="914400" rtl="0" eaLnBrk="1" latinLnBrk="0" hangingPunct="1">
+              <a:spcBef>
+                <a:spcPct val="20000"/>
+              </a:spcBef>
+              <a:buFont typeface="Arial" panose="020B0604020202020204" pitchFamily="34" charset="0"/>
+              <a:buChar char="•"/>
+              <a:defRPr sz="2000" kern="1200">
+                <a:solidFill>
+                  <a:schemeClr val="tx1"/>
+                </a:solidFill>
+                <a:latin typeface="+mn-lt"/>
+                <a:ea typeface="+mn-ea"/>
+                <a:cs typeface="+mn-cs"/>
+              </a:defRPr>
+            </a:lvl9pPr>
+          </a:lstStyle>
+          <a:p>
+            <a:pPr marL="57150" indent="0">
+              <a:buFont typeface="Arial" panose="020B0604020202020204" pitchFamily="34" charset="0"/>
+              <a:buNone/>
+            </a:pPr>
+            <a:endParaRPr lang="es-MX" dirty="0" smtClean="0"/>
+          </a:p>
+        </p:txBody>
+      </p:sp>
+    </p:spTree>
+    <p:extLst>
+      <p:ext uri="{BB962C8B-B14F-4D97-AF65-F5344CB8AC3E}">
+        <p14:creationId xmlns:p14="http://schemas.microsoft.com/office/powerpoint/2010/main" val="1099263649"/>
+      </p:ext>
+    </p:extLst>
+  </p:cSld>
+  <p:clrMapOvr>
+    <a:masterClrMapping/>
+  </p:clrMapOvr>
+</p:sld>
+</file>
+
+<file path=ppt/slides/slide5.xml><?xml version="1.0" encoding="utf-8"?>
 <p:sld xmlns:a="http://schemas.openxmlformats.org/drawingml/2006/main" xmlns:r="http://schemas.openxmlformats.org/officeDocument/2006/relationships" xmlns:p="http://schemas.openxmlformats.org/presentationml/2006/main">
   <p:cSld>
     <p:bg>
